--- a/presentation.pptx
+++ b/presentation.pptx
@@ -9,6 +9,7 @@
     <p:sldId id="258" r:id="rId3"/>
     <p:sldId id="257" r:id="rId4"/>
     <p:sldId id="259" r:id="rId5"/>
+    <p:sldId id="260" r:id="rId6"/>
   </p:sldIdLst>
   <p:sldSz cx="12192000" cy="6858000"/>
   <p:notesSz cx="6858000" cy="9144000"/>
@@ -107,6 +108,11 @@
       </a:defRPr>
     </a:lvl9pPr>
   </p:defaultTextStyle>
+  <p:extLst>
+    <p:ext uri="{EFAFB233-063F-42B5-8137-9DF3F51BA10A}">
+      <p15:sldGuideLst xmlns:p15="http://schemas.microsoft.com/office/powerpoint/2012/main"/>
+    </p:ext>
+  </p:extLst>
 </p:presentation>
 </file>
 
@@ -259,7 +265,7 @@
           <a:p>
             <a:fld id="{E636CB3E-0621-4598-9189-102CDA05A00C}" type="datetimeFigureOut">
               <a:rPr lang="he-IL" smtClean="0"/>
-              <a:t>י"ח/כסלו/תשפ"ג</a:t>
+              <a:t>י"ט/כסלו/תשפ"ג</a:t>
             </a:fld>
             <a:endParaRPr lang="he-IL"/>
           </a:p>
@@ -459,7 +465,7 @@
           <a:p>
             <a:fld id="{E636CB3E-0621-4598-9189-102CDA05A00C}" type="datetimeFigureOut">
               <a:rPr lang="he-IL" smtClean="0"/>
-              <a:t>י"ח/כסלו/תשפ"ג</a:t>
+              <a:t>י"ט/כסלו/תשפ"ג</a:t>
             </a:fld>
             <a:endParaRPr lang="he-IL"/>
           </a:p>
@@ -669,7 +675,7 @@
           <a:p>
             <a:fld id="{E636CB3E-0621-4598-9189-102CDA05A00C}" type="datetimeFigureOut">
               <a:rPr lang="he-IL" smtClean="0"/>
-              <a:t>י"ח/כסלו/תשפ"ג</a:t>
+              <a:t>י"ט/כסלו/תשפ"ג</a:t>
             </a:fld>
             <a:endParaRPr lang="he-IL"/>
           </a:p>
@@ -869,7 +875,7 @@
           <a:p>
             <a:fld id="{E636CB3E-0621-4598-9189-102CDA05A00C}" type="datetimeFigureOut">
               <a:rPr lang="he-IL" smtClean="0"/>
-              <a:t>י"ח/כסלו/תשפ"ג</a:t>
+              <a:t>י"ט/כסלו/תשפ"ג</a:t>
             </a:fld>
             <a:endParaRPr lang="he-IL"/>
           </a:p>
@@ -1145,7 +1151,7 @@
           <a:p>
             <a:fld id="{E636CB3E-0621-4598-9189-102CDA05A00C}" type="datetimeFigureOut">
               <a:rPr lang="he-IL" smtClean="0"/>
-              <a:t>י"ח/כסלו/תשפ"ג</a:t>
+              <a:t>י"ט/כסלו/תשפ"ג</a:t>
             </a:fld>
             <a:endParaRPr lang="he-IL"/>
           </a:p>
@@ -1413,7 +1419,7 @@
           <a:p>
             <a:fld id="{E636CB3E-0621-4598-9189-102CDA05A00C}" type="datetimeFigureOut">
               <a:rPr lang="he-IL" smtClean="0"/>
-              <a:t>י"ח/כסלו/תשפ"ג</a:t>
+              <a:t>י"ט/כסלו/תשפ"ג</a:t>
             </a:fld>
             <a:endParaRPr lang="he-IL"/>
           </a:p>
@@ -1828,7 +1834,7 @@
           <a:p>
             <a:fld id="{E636CB3E-0621-4598-9189-102CDA05A00C}" type="datetimeFigureOut">
               <a:rPr lang="he-IL" smtClean="0"/>
-              <a:t>י"ח/כסלו/תשפ"ג</a:t>
+              <a:t>י"ט/כסלו/תשפ"ג</a:t>
             </a:fld>
             <a:endParaRPr lang="he-IL"/>
           </a:p>
@@ -1970,7 +1976,7 @@
           <a:p>
             <a:fld id="{E636CB3E-0621-4598-9189-102CDA05A00C}" type="datetimeFigureOut">
               <a:rPr lang="he-IL" smtClean="0"/>
-              <a:t>י"ח/כסלו/תשפ"ג</a:t>
+              <a:t>י"ט/כסלו/תשפ"ג</a:t>
             </a:fld>
             <a:endParaRPr lang="he-IL"/>
           </a:p>
@@ -2083,7 +2089,7 @@
           <a:p>
             <a:fld id="{E636CB3E-0621-4598-9189-102CDA05A00C}" type="datetimeFigureOut">
               <a:rPr lang="he-IL" smtClean="0"/>
-              <a:t>י"ח/כסלו/תשפ"ג</a:t>
+              <a:t>י"ט/כסלו/תשפ"ג</a:t>
             </a:fld>
             <a:endParaRPr lang="he-IL"/>
           </a:p>
@@ -2396,7 +2402,7 @@
           <a:p>
             <a:fld id="{E636CB3E-0621-4598-9189-102CDA05A00C}" type="datetimeFigureOut">
               <a:rPr lang="he-IL" smtClean="0"/>
-              <a:t>י"ח/כסלו/תשפ"ג</a:t>
+              <a:t>י"ט/כסלו/תשפ"ג</a:t>
             </a:fld>
             <a:endParaRPr lang="he-IL"/>
           </a:p>
@@ -2685,7 +2691,7 @@
           <a:p>
             <a:fld id="{E636CB3E-0621-4598-9189-102CDA05A00C}" type="datetimeFigureOut">
               <a:rPr lang="he-IL" smtClean="0"/>
-              <a:t>י"ח/כסלו/תשפ"ג</a:t>
+              <a:t>י"ט/כסלו/תשפ"ג</a:t>
             </a:fld>
             <a:endParaRPr lang="he-IL"/>
           </a:p>
@@ -2928,7 +2934,7 @@
           <a:p>
             <a:fld id="{E636CB3E-0621-4598-9189-102CDA05A00C}" type="datetimeFigureOut">
               <a:rPr lang="he-IL" smtClean="0"/>
-              <a:t>י"ח/כסלו/תשפ"ג</a:t>
+              <a:t>י"ט/כסלו/תשפ"ג</a:t>
             </a:fld>
             <a:endParaRPr lang="he-IL"/>
           </a:p>
@@ -3760,6 +3766,167 @@
 </p:sld>
 </file>
 
+<file path=ppt/slides/slide5.xml><?xml version="1.0" encoding="utf-8"?>
+<p:sld xmlns:a="http://schemas.openxmlformats.org/drawingml/2006/main" xmlns:r="http://schemas.openxmlformats.org/officeDocument/2006/relationships" xmlns:p="http://schemas.openxmlformats.org/presentationml/2006/main">
+  <p:cSld>
+    <p:spTree>
+      <p:nvGrpSpPr>
+        <p:cNvPr id="1" name=""/>
+        <p:cNvGrpSpPr/>
+        <p:nvPr/>
+      </p:nvGrpSpPr>
+      <p:grpSpPr>
+        <a:xfrm>
+          <a:off x="0" y="0"/>
+          <a:ext cx="0" cy="0"/>
+          <a:chOff x="0" y="0"/>
+          <a:chExt cx="0" cy="0"/>
+        </a:xfrm>
+      </p:grpSpPr>
+      <p:sp>
+        <p:nvSpPr>
+          <p:cNvPr id="4" name="TextBox 3">
+            <a:extLst>
+              <a:ext uri="{FF2B5EF4-FFF2-40B4-BE49-F238E27FC236}">
+                <a16:creationId xmlns:a16="http://schemas.microsoft.com/office/drawing/2014/main" id="{F0FB6697-11F3-8A8F-70DC-FF4A7D3FF9DB}"/>
+              </a:ext>
+            </a:extLst>
+          </p:cNvPr>
+          <p:cNvSpPr txBox="1"/>
+          <p:nvPr/>
+        </p:nvSpPr>
+        <p:spPr>
+          <a:xfrm>
+            <a:off x="2562225" y="666750"/>
+            <a:ext cx="7705725" cy="369332"/>
+          </a:xfrm>
+          <a:prstGeom prst="rect">
+            <a:avLst/>
+          </a:prstGeom>
+          <a:noFill/>
+        </p:spPr>
+        <p:txBody>
+          <a:bodyPr wrap="square" rtlCol="1">
+            <a:spAutoFit/>
+          </a:bodyPr>
+          <a:lstStyle/>
+          <a:p>
+            <a:pPr algn="r" rtl="1"/>
+            <a:r>
+              <a:rPr lang="he-IL" dirty="0"/>
+              <a:t>בנוגע ל</a:t>
+            </a:r>
+            <a:r>
+              <a:rPr lang="en-US" dirty="0"/>
+              <a:t>NA</a:t>
+            </a:r>
+            <a:r>
+              <a:rPr lang="he-IL" dirty="0"/>
+              <a:t> הפכנו את המשתנים שבהם היו הרבה </a:t>
+            </a:r>
+            <a:r>
+              <a:rPr lang="en-US" dirty="0"/>
+              <a:t>NA</a:t>
+            </a:r>
+            <a:r>
+              <a:rPr lang="he-IL" dirty="0"/>
+              <a:t> ל-0 לפי המייל של עידית</a:t>
+            </a:r>
+          </a:p>
+        </p:txBody>
+      </p:sp>
+      <p:sp>
+        <p:nvSpPr>
+          <p:cNvPr id="2" name="TextBox 1">
+            <a:extLst>
+              <a:ext uri="{FF2B5EF4-FFF2-40B4-BE49-F238E27FC236}">
+                <a16:creationId xmlns:a16="http://schemas.microsoft.com/office/drawing/2014/main" id="{1AE961C1-A2FD-88DF-C30B-73E05E9EB787}"/>
+              </a:ext>
+            </a:extLst>
+          </p:cNvPr>
+          <p:cNvSpPr txBox="1"/>
+          <p:nvPr/>
+        </p:nvSpPr>
+        <p:spPr>
+          <a:xfrm>
+            <a:off x="2809875" y="3105834"/>
+            <a:ext cx="7705725" cy="369332"/>
+          </a:xfrm>
+          <a:prstGeom prst="rect">
+            <a:avLst/>
+          </a:prstGeom>
+          <a:noFill/>
+        </p:spPr>
+        <p:txBody>
+          <a:bodyPr wrap="square" rtlCol="1">
+            <a:spAutoFit/>
+          </a:bodyPr>
+          <a:lstStyle/>
+          <a:p>
+            <a:pPr algn="r" rtl="1"/>
+            <a:r>
+              <a:rPr lang="he-IL" dirty="0"/>
+              <a:t>אלו הם ה</a:t>
+            </a:r>
+            <a:r>
+              <a:rPr lang="en-US" dirty="0"/>
+              <a:t>NA-</a:t>
+            </a:r>
+            <a:r>
+              <a:rPr lang="he-IL" dirty="0"/>
+              <a:t> שעדיין יש </a:t>
+            </a:r>
+            <a:r>
+              <a:rPr lang="he-IL"/>
+              <a:t>בקובץ: להוסיף טבלה רלוונטית</a:t>
+            </a:r>
+            <a:endParaRPr lang="he-IL" dirty="0"/>
+          </a:p>
+        </p:txBody>
+      </p:sp>
+      <p:pic>
+        <p:nvPicPr>
+          <p:cNvPr id="6" name="Picture 5">
+            <a:extLst>
+              <a:ext uri="{FF2B5EF4-FFF2-40B4-BE49-F238E27FC236}">
+                <a16:creationId xmlns:a16="http://schemas.microsoft.com/office/drawing/2014/main" id="{8FD42840-2952-C59A-732A-CF9D6693816E}"/>
+              </a:ext>
+            </a:extLst>
+          </p:cNvPr>
+          <p:cNvPicPr>
+            <a:picLocks noChangeAspect="1"/>
+          </p:cNvPicPr>
+          <p:nvPr/>
+        </p:nvPicPr>
+        <p:blipFill>
+          <a:blip r:embed="rId2"/>
+          <a:stretch>
+            <a:fillRect/>
+          </a:stretch>
+        </p:blipFill>
+        <p:spPr>
+          <a:xfrm>
+            <a:off x="902963" y="1277153"/>
+            <a:ext cx="9364987" cy="1369065"/>
+          </a:xfrm>
+          <a:prstGeom prst="rect">
+            <a:avLst/>
+          </a:prstGeom>
+        </p:spPr>
+      </p:pic>
+    </p:spTree>
+    <p:extLst>
+      <p:ext uri="{BB962C8B-B14F-4D97-AF65-F5344CB8AC3E}">
+        <p14:creationId xmlns:p14="http://schemas.microsoft.com/office/powerpoint/2010/main" val="3763680711"/>
+      </p:ext>
+    </p:extLst>
+  </p:cSld>
+  <p:clrMapOvr>
+    <a:masterClrMapping/>
+  </p:clrMapOvr>
+</p:sld>
+</file>
+
 <file path=ppt/theme/theme1.xml><?xml version="1.0" encoding="utf-8"?>
 <a:theme xmlns:a="http://schemas.openxmlformats.org/drawingml/2006/main" name="Office Theme">
   <a:themeElements>

--- a/presentation.pptx
+++ b/presentation.pptx
@@ -6,10 +6,16 @@
   </p:sldMasterIdLst>
   <p:sldIdLst>
     <p:sldId id="256" r:id="rId2"/>
-    <p:sldId id="258" r:id="rId3"/>
-    <p:sldId id="257" r:id="rId4"/>
-    <p:sldId id="259" r:id="rId5"/>
-    <p:sldId id="260" r:id="rId6"/>
+    <p:sldId id="261" r:id="rId3"/>
+    <p:sldId id="262" r:id="rId4"/>
+    <p:sldId id="263" r:id="rId5"/>
+    <p:sldId id="264" r:id="rId6"/>
+    <p:sldId id="265" r:id="rId7"/>
+    <p:sldId id="258" r:id="rId8"/>
+    <p:sldId id="257" r:id="rId9"/>
+    <p:sldId id="259" r:id="rId10"/>
+    <p:sldId id="266" r:id="rId11"/>
+    <p:sldId id="260" r:id="rId12"/>
   </p:sldIdLst>
   <p:sldSz cx="12192000" cy="6858000"/>
   <p:notesSz cx="6858000" cy="9144000"/>
@@ -265,7 +271,7 @@
           <a:p>
             <a:fld id="{E636CB3E-0621-4598-9189-102CDA05A00C}" type="datetimeFigureOut">
               <a:rPr lang="he-IL" smtClean="0"/>
-              <a:t>י"ט/כסלו/תשפ"ג</a:t>
+              <a:t>ט'/טבת/תשפ"ג</a:t>
             </a:fld>
             <a:endParaRPr lang="he-IL"/>
           </a:p>
@@ -465,7 +471,7 @@
           <a:p>
             <a:fld id="{E636CB3E-0621-4598-9189-102CDA05A00C}" type="datetimeFigureOut">
               <a:rPr lang="he-IL" smtClean="0"/>
-              <a:t>י"ט/כסלו/תשפ"ג</a:t>
+              <a:t>ט'/טבת/תשפ"ג</a:t>
             </a:fld>
             <a:endParaRPr lang="he-IL"/>
           </a:p>
@@ -675,7 +681,7 @@
           <a:p>
             <a:fld id="{E636CB3E-0621-4598-9189-102CDA05A00C}" type="datetimeFigureOut">
               <a:rPr lang="he-IL" smtClean="0"/>
-              <a:t>י"ט/כסלו/תשפ"ג</a:t>
+              <a:t>ט'/טבת/תשפ"ג</a:t>
             </a:fld>
             <a:endParaRPr lang="he-IL"/>
           </a:p>
@@ -875,7 +881,7 @@
           <a:p>
             <a:fld id="{E636CB3E-0621-4598-9189-102CDA05A00C}" type="datetimeFigureOut">
               <a:rPr lang="he-IL" smtClean="0"/>
-              <a:t>י"ט/כסלו/תשפ"ג</a:t>
+              <a:t>ט'/טבת/תשפ"ג</a:t>
             </a:fld>
             <a:endParaRPr lang="he-IL"/>
           </a:p>
@@ -1151,7 +1157,7 @@
           <a:p>
             <a:fld id="{E636CB3E-0621-4598-9189-102CDA05A00C}" type="datetimeFigureOut">
               <a:rPr lang="he-IL" smtClean="0"/>
-              <a:t>י"ט/כסלו/תשפ"ג</a:t>
+              <a:t>ט'/טבת/תשפ"ג</a:t>
             </a:fld>
             <a:endParaRPr lang="he-IL"/>
           </a:p>
@@ -1419,7 +1425,7 @@
           <a:p>
             <a:fld id="{E636CB3E-0621-4598-9189-102CDA05A00C}" type="datetimeFigureOut">
               <a:rPr lang="he-IL" smtClean="0"/>
-              <a:t>י"ט/כסלו/תשפ"ג</a:t>
+              <a:t>ט'/טבת/תשפ"ג</a:t>
             </a:fld>
             <a:endParaRPr lang="he-IL"/>
           </a:p>
@@ -1834,7 +1840,7 @@
           <a:p>
             <a:fld id="{E636CB3E-0621-4598-9189-102CDA05A00C}" type="datetimeFigureOut">
               <a:rPr lang="he-IL" smtClean="0"/>
-              <a:t>י"ט/כסלו/תשפ"ג</a:t>
+              <a:t>ט'/טבת/תשפ"ג</a:t>
             </a:fld>
             <a:endParaRPr lang="he-IL"/>
           </a:p>
@@ -1976,7 +1982,7 @@
           <a:p>
             <a:fld id="{E636CB3E-0621-4598-9189-102CDA05A00C}" type="datetimeFigureOut">
               <a:rPr lang="he-IL" smtClean="0"/>
-              <a:t>י"ט/כסלו/תשפ"ג</a:t>
+              <a:t>ט'/טבת/תשפ"ג</a:t>
             </a:fld>
             <a:endParaRPr lang="he-IL"/>
           </a:p>
@@ -2089,7 +2095,7 @@
           <a:p>
             <a:fld id="{E636CB3E-0621-4598-9189-102CDA05A00C}" type="datetimeFigureOut">
               <a:rPr lang="he-IL" smtClean="0"/>
-              <a:t>י"ט/כסלו/תשפ"ג</a:t>
+              <a:t>ט'/טבת/תשפ"ג</a:t>
             </a:fld>
             <a:endParaRPr lang="he-IL"/>
           </a:p>
@@ -2402,7 +2408,7 @@
           <a:p>
             <a:fld id="{E636CB3E-0621-4598-9189-102CDA05A00C}" type="datetimeFigureOut">
               <a:rPr lang="he-IL" smtClean="0"/>
-              <a:t>י"ט/כסלו/תשפ"ג</a:t>
+              <a:t>ט'/טבת/תשפ"ג</a:t>
             </a:fld>
             <a:endParaRPr lang="he-IL"/>
           </a:p>
@@ -2691,7 +2697,7 @@
           <a:p>
             <a:fld id="{E636CB3E-0621-4598-9189-102CDA05A00C}" type="datetimeFigureOut">
               <a:rPr lang="he-IL" smtClean="0"/>
-              <a:t>י"ט/כסלו/תשפ"ג</a:t>
+              <a:t>ט'/טבת/תשפ"ג</a:t>
             </a:fld>
             <a:endParaRPr lang="he-IL"/>
           </a:p>
@@ -2934,7 +2940,7 @@
           <a:p>
             <a:fld id="{E636CB3E-0621-4598-9189-102CDA05A00C}" type="datetimeFigureOut">
               <a:rPr lang="he-IL" smtClean="0"/>
-              <a:t>י"ט/כסלו/תשפ"ג</a:t>
+              <a:t>ט'/טבת/תשפ"ג</a:t>
             </a:fld>
             <a:endParaRPr lang="he-IL"/>
           </a:p>
@@ -3392,6 +3398,289 @@
 </p:sld>
 </file>
 
+<file path=ppt/slides/slide10.xml><?xml version="1.0" encoding="utf-8"?>
+<p:sld xmlns:a="http://schemas.openxmlformats.org/drawingml/2006/main" xmlns:r="http://schemas.openxmlformats.org/officeDocument/2006/relationships" xmlns:p="http://schemas.openxmlformats.org/presentationml/2006/main">
+  <p:cSld>
+    <p:spTree>
+      <p:nvGrpSpPr>
+        <p:cNvPr id="1" name=""/>
+        <p:cNvGrpSpPr/>
+        <p:nvPr/>
+      </p:nvGrpSpPr>
+      <p:grpSpPr>
+        <a:xfrm>
+          <a:off x="0" y="0"/>
+          <a:ext cx="0" cy="0"/>
+          <a:chOff x="0" y="0"/>
+          <a:chExt cx="0" cy="0"/>
+        </a:xfrm>
+      </p:grpSpPr>
+      <p:pic>
+        <p:nvPicPr>
+          <p:cNvPr id="6" name="Picture 5">
+            <a:extLst>
+              <a:ext uri="{FF2B5EF4-FFF2-40B4-BE49-F238E27FC236}">
+                <a16:creationId xmlns:a16="http://schemas.microsoft.com/office/drawing/2014/main" id="{F5D3B1B9-AB27-850B-BF9A-2BBCF7F461E1}"/>
+              </a:ext>
+            </a:extLst>
+          </p:cNvPr>
+          <p:cNvPicPr>
+            <a:picLocks noChangeAspect="1"/>
+          </p:cNvPicPr>
+          <p:nvPr/>
+        </p:nvPicPr>
+        <p:blipFill rotWithShape="1">
+          <a:blip r:embed="rId2"/>
+          <a:srcRect t="2593"/>
+          <a:stretch/>
+        </p:blipFill>
+        <p:spPr>
+          <a:xfrm>
+            <a:off x="1577755" y="2381250"/>
+            <a:ext cx="3143689" cy="3229206"/>
+          </a:xfrm>
+          <a:prstGeom prst="rect">
+            <a:avLst/>
+          </a:prstGeom>
+        </p:spPr>
+      </p:pic>
+      <p:sp>
+        <p:nvSpPr>
+          <p:cNvPr id="7" name="TextBox 6">
+            <a:extLst>
+              <a:ext uri="{FF2B5EF4-FFF2-40B4-BE49-F238E27FC236}">
+                <a16:creationId xmlns:a16="http://schemas.microsoft.com/office/drawing/2014/main" id="{B7C13A1C-719F-7FD6-E269-7AB277ACA707}"/>
+              </a:ext>
+            </a:extLst>
+          </p:cNvPr>
+          <p:cNvSpPr txBox="1"/>
+          <p:nvPr/>
+        </p:nvSpPr>
+        <p:spPr>
+          <a:xfrm>
+            <a:off x="3149600" y="558800"/>
+            <a:ext cx="6339840" cy="646331"/>
+          </a:xfrm>
+          <a:prstGeom prst="rect">
+            <a:avLst/>
+          </a:prstGeom>
+          <a:noFill/>
+        </p:spPr>
+        <p:txBody>
+          <a:bodyPr wrap="square" rtlCol="1">
+            <a:spAutoFit/>
+          </a:bodyPr>
+          <a:lstStyle/>
+          <a:p>
+            <a:pPr algn="r" rtl="1"/>
+            <a:r>
+              <a:rPr lang="en-US" b="1" dirty="0">
+                <a:latin typeface="David" panose="020E0502060401010101" pitchFamily="34" charset="-79"/>
+                <a:cs typeface="David" panose="020E0502060401010101" pitchFamily="34" charset="-79"/>
+              </a:rPr>
+              <a:t>AD</a:t>
+            </a:r>
+            <a:r>
+              <a:rPr lang="he-IL" b="1" dirty="0">
+                <a:latin typeface="David" panose="020E0502060401010101" pitchFamily="34" charset="-79"/>
+                <a:cs typeface="David" panose="020E0502060401010101" pitchFamily="34" charset="-79"/>
+              </a:rPr>
+              <a:t>: יש כמות יחסית קטנה שחלו אחרי קורונה</a:t>
+            </a:r>
+          </a:p>
+          <a:p>
+            <a:pPr algn="r" rtl="1"/>
+            <a:r>
+              <a:rPr lang="en-US" b="1" dirty="0">
+                <a:latin typeface="David" panose="020E0502060401010101" pitchFamily="34" charset="-79"/>
+                <a:cs typeface="David" panose="020E0502060401010101" pitchFamily="34" charset="-79"/>
+              </a:rPr>
+              <a:t>FA</a:t>
+            </a:r>
+            <a:r>
+              <a:rPr lang="he-IL" b="1" dirty="0">
+                <a:latin typeface="David" panose="020E0502060401010101" pitchFamily="34" charset="-79"/>
+                <a:cs typeface="David" panose="020E0502060401010101" pitchFamily="34" charset="-79"/>
+              </a:rPr>
+              <a:t>: כמות ממש קטנה של חולים</a:t>
+            </a:r>
+          </a:p>
+        </p:txBody>
+      </p:sp>
+    </p:spTree>
+    <p:extLst>
+      <p:ext uri="{BB962C8B-B14F-4D97-AF65-F5344CB8AC3E}">
+        <p14:creationId xmlns:p14="http://schemas.microsoft.com/office/powerpoint/2010/main" val="2253753763"/>
+      </p:ext>
+    </p:extLst>
+  </p:cSld>
+  <p:clrMapOvr>
+    <a:masterClrMapping/>
+  </p:clrMapOvr>
+</p:sld>
+</file>
+
+<file path=ppt/slides/slide11.xml><?xml version="1.0" encoding="utf-8"?>
+<p:sld xmlns:a="http://schemas.openxmlformats.org/drawingml/2006/main" xmlns:r="http://schemas.openxmlformats.org/officeDocument/2006/relationships" xmlns:p="http://schemas.openxmlformats.org/presentationml/2006/main">
+  <p:cSld>
+    <p:spTree>
+      <p:nvGrpSpPr>
+        <p:cNvPr id="1" name=""/>
+        <p:cNvGrpSpPr/>
+        <p:nvPr/>
+      </p:nvGrpSpPr>
+      <p:grpSpPr>
+        <a:xfrm>
+          <a:off x="0" y="0"/>
+          <a:ext cx="0" cy="0"/>
+          <a:chOff x="0" y="0"/>
+          <a:chExt cx="0" cy="0"/>
+        </a:xfrm>
+      </p:grpSpPr>
+      <p:sp>
+        <p:nvSpPr>
+          <p:cNvPr id="4" name="TextBox 3">
+            <a:extLst>
+              <a:ext uri="{FF2B5EF4-FFF2-40B4-BE49-F238E27FC236}">
+                <a16:creationId xmlns:a16="http://schemas.microsoft.com/office/drawing/2014/main" id="{F0FB6697-11F3-8A8F-70DC-FF4A7D3FF9DB}"/>
+              </a:ext>
+            </a:extLst>
+          </p:cNvPr>
+          <p:cNvSpPr txBox="1"/>
+          <p:nvPr/>
+        </p:nvSpPr>
+        <p:spPr>
+          <a:xfrm>
+            <a:off x="2562225" y="666750"/>
+            <a:ext cx="7705725" cy="369332"/>
+          </a:xfrm>
+          <a:prstGeom prst="rect">
+            <a:avLst/>
+          </a:prstGeom>
+          <a:noFill/>
+        </p:spPr>
+        <p:txBody>
+          <a:bodyPr wrap="square" rtlCol="1">
+            <a:spAutoFit/>
+          </a:bodyPr>
+          <a:lstStyle/>
+          <a:p>
+            <a:pPr algn="r" rtl="1"/>
+            <a:r>
+              <a:rPr lang="he-IL" dirty="0"/>
+              <a:t>בנוגע ל</a:t>
+            </a:r>
+            <a:r>
+              <a:rPr lang="en-US" dirty="0"/>
+              <a:t>NA</a:t>
+            </a:r>
+            <a:r>
+              <a:rPr lang="he-IL" dirty="0"/>
+              <a:t> הפכנו את המשתנים שבהם היו הרבה </a:t>
+            </a:r>
+            <a:r>
+              <a:rPr lang="en-US" dirty="0"/>
+              <a:t>NA</a:t>
+            </a:r>
+            <a:r>
+              <a:rPr lang="he-IL" dirty="0"/>
+              <a:t> ל-0 לפי המייל של עידית</a:t>
+            </a:r>
+          </a:p>
+        </p:txBody>
+      </p:sp>
+      <p:sp>
+        <p:nvSpPr>
+          <p:cNvPr id="2" name="TextBox 1">
+            <a:extLst>
+              <a:ext uri="{FF2B5EF4-FFF2-40B4-BE49-F238E27FC236}">
+                <a16:creationId xmlns:a16="http://schemas.microsoft.com/office/drawing/2014/main" id="{1AE961C1-A2FD-88DF-C30B-73E05E9EB787}"/>
+              </a:ext>
+            </a:extLst>
+          </p:cNvPr>
+          <p:cNvSpPr txBox="1"/>
+          <p:nvPr/>
+        </p:nvSpPr>
+        <p:spPr>
+          <a:xfrm>
+            <a:off x="2809875" y="3105834"/>
+            <a:ext cx="7705725" cy="369332"/>
+          </a:xfrm>
+          <a:prstGeom prst="rect">
+            <a:avLst/>
+          </a:prstGeom>
+          <a:noFill/>
+        </p:spPr>
+        <p:txBody>
+          <a:bodyPr wrap="square" rtlCol="1">
+            <a:spAutoFit/>
+          </a:bodyPr>
+          <a:lstStyle/>
+          <a:p>
+            <a:pPr algn="r" rtl="1"/>
+            <a:r>
+              <a:rPr lang="he-IL" dirty="0"/>
+              <a:t>אלו הם ה</a:t>
+            </a:r>
+            <a:r>
+              <a:rPr lang="en-US" dirty="0"/>
+              <a:t>NA-</a:t>
+            </a:r>
+            <a:r>
+              <a:rPr lang="he-IL" dirty="0"/>
+              <a:t> שעדיין יש </a:t>
+            </a:r>
+            <a:r>
+              <a:rPr lang="he-IL"/>
+              <a:t>בקובץ: להוסיף טבלה רלוונטית</a:t>
+            </a:r>
+            <a:endParaRPr lang="he-IL" dirty="0"/>
+          </a:p>
+        </p:txBody>
+      </p:sp>
+      <p:pic>
+        <p:nvPicPr>
+          <p:cNvPr id="6" name="Picture 5">
+            <a:extLst>
+              <a:ext uri="{FF2B5EF4-FFF2-40B4-BE49-F238E27FC236}">
+                <a16:creationId xmlns:a16="http://schemas.microsoft.com/office/drawing/2014/main" id="{8FD42840-2952-C59A-732A-CF9D6693816E}"/>
+              </a:ext>
+            </a:extLst>
+          </p:cNvPr>
+          <p:cNvPicPr>
+            <a:picLocks noChangeAspect="1"/>
+          </p:cNvPicPr>
+          <p:nvPr/>
+        </p:nvPicPr>
+        <p:blipFill>
+          <a:blip r:embed="rId2"/>
+          <a:stretch>
+            <a:fillRect/>
+          </a:stretch>
+        </p:blipFill>
+        <p:spPr>
+          <a:xfrm>
+            <a:off x="902963" y="1277153"/>
+            <a:ext cx="9364987" cy="1369065"/>
+          </a:xfrm>
+          <a:prstGeom prst="rect">
+            <a:avLst/>
+          </a:prstGeom>
+        </p:spPr>
+      </p:pic>
+    </p:spTree>
+    <p:extLst>
+      <p:ext uri="{BB962C8B-B14F-4D97-AF65-F5344CB8AC3E}">
+        <p14:creationId xmlns:p14="http://schemas.microsoft.com/office/powerpoint/2010/main" val="3763680711"/>
+      </p:ext>
+    </p:extLst>
+  </p:cSld>
+  <p:clrMapOvr>
+    <a:masterClrMapping/>
+  </p:clrMapOvr>
+</p:sld>
+</file>
+
 <file path=ppt/slides/slide2.xml><?xml version="1.0" encoding="utf-8"?>
 <p:sld xmlns:a="http://schemas.openxmlformats.org/drawingml/2006/main" xmlns:r="http://schemas.openxmlformats.org/officeDocument/2006/relationships" xmlns:p="http://schemas.openxmlformats.org/presentationml/2006/main">
   <p:cSld>
@@ -3414,7 +3703,7 @@
           <p:cNvPr id="4" name="TextBox 3">
             <a:extLst>
               <a:ext uri="{FF2B5EF4-FFF2-40B4-BE49-F238E27FC236}">
-                <a16:creationId xmlns:a16="http://schemas.microsoft.com/office/drawing/2014/main" id="{F0FB6697-11F3-8A8F-70DC-FF4A7D3FF9DB}"/>
+                <a16:creationId xmlns:a16="http://schemas.microsoft.com/office/drawing/2014/main" id="{FBF1E5BD-EFC1-2471-5AE2-6051FE6F1DF7}"/>
               </a:ext>
             </a:extLst>
           </p:cNvPr>
@@ -3423,8 +3712,8 @@
         </p:nvSpPr>
         <p:spPr>
           <a:xfrm>
-            <a:off x="2409825" y="666750"/>
-            <a:ext cx="7705725" cy="646331"/>
+            <a:off x="2200275" y="1085850"/>
+            <a:ext cx="4114800" cy="646331"/>
           </a:xfrm>
           <a:prstGeom prst="rect">
             <a:avLst/>
@@ -3437,25 +3726,15 @@
           </a:bodyPr>
           <a:lstStyle/>
           <a:p>
-            <a:pPr algn="r" rtl="1"/>
             <a:r>
               <a:rPr lang="he-IL" dirty="0"/>
-              <a:t>בינתיים סיננו את התצפיות שהשלימו את המענה על הסקר,</a:t>
-            </a:r>
-          </a:p>
-          <a:p>
-            <a:pPr algn="r" rtl="1"/>
+              <a:t>רקע תוכני- הכרת המחלות בגדול</a:t>
+            </a:r>
+          </a:p>
+          <a:p>
             <a:r>
               <a:rPr lang="he-IL" dirty="0"/>
-              <a:t>בידינו 1382 תצפיות של ילדים </a:t>
-            </a:r>
-            <a:r>
-              <a:rPr lang="he-IL" dirty="0" err="1"/>
-              <a:t>שלולדו</a:t>
-            </a:r>
-            <a:r>
-              <a:rPr lang="he-IL" dirty="0"/>
-              <a:t> בין 2018 ל-2020</a:t>
+              <a:t>תיאורטי</a:t>
             </a:r>
           </a:p>
         </p:txBody>
@@ -3463,7 +3742,7 @@
     </p:spTree>
     <p:extLst>
       <p:ext uri="{BB962C8B-B14F-4D97-AF65-F5344CB8AC3E}">
-        <p14:creationId xmlns:p14="http://schemas.microsoft.com/office/powerpoint/2010/main" val="2642701519"/>
+        <p14:creationId xmlns:p14="http://schemas.microsoft.com/office/powerpoint/2010/main" val="3571530066"/>
       </p:ext>
     </p:extLst>
   </p:cSld>
@@ -3492,109 +3771,43 @@
       </p:grpSpPr>
       <p:sp>
         <p:nvSpPr>
-          <p:cNvPr id="4" name="TextBox 3">
-            <a:extLst>
-              <a:ext uri="{FF2B5EF4-FFF2-40B4-BE49-F238E27FC236}">
-                <a16:creationId xmlns:a16="http://schemas.microsoft.com/office/drawing/2014/main" id="{53D96A0A-22F5-DBFD-25A8-1406F80C4EE9}"/>
-              </a:ext>
-            </a:extLst>
-          </p:cNvPr>
-          <p:cNvSpPr txBox="1"/>
-          <p:nvPr/>
-        </p:nvSpPr>
-        <p:spPr>
-          <a:xfrm>
-            <a:off x="3238501" y="809625"/>
-            <a:ext cx="8058150" cy="1200329"/>
-          </a:xfrm>
-          <a:prstGeom prst="rect">
-            <a:avLst/>
-          </a:prstGeom>
-          <a:noFill/>
-        </p:spPr>
-        <p:txBody>
-          <a:bodyPr wrap="square" rtlCol="1">
-            <a:spAutoFit/>
-          </a:bodyPr>
-          <a:lstStyle/>
-          <a:p>
-            <a:pPr lvl="1" algn="r" rtl="1"/>
-            <a:r>
-              <a:rPr lang="he-IL" dirty="0"/>
-              <a:t>חילקנו את תאריכי הלידה ל-3 קבוצות לפי תזמון הקורונה:</a:t>
-            </a:r>
-          </a:p>
-          <a:p>
-            <a:pPr marL="800100" lvl="1" indent="-342900" algn="r" rtl="1">
-              <a:buAutoNum type="arabicPeriod"/>
-            </a:pPr>
-            <a:r>
-              <a:rPr lang="he-IL" dirty="0"/>
-              <a:t>נולדו לפני הקורונה, כלומר לפני ה-30/01/2020.</a:t>
-            </a:r>
-          </a:p>
-          <a:p>
-            <a:pPr marL="800100" lvl="1" indent="-342900" algn="r" rtl="1">
-              <a:buAutoNum type="arabicPeriod"/>
-            </a:pPr>
-            <a:r>
-              <a:rPr lang="he-IL" dirty="0"/>
-              <a:t>נולדו בקורונה, </a:t>
-            </a:r>
-            <a:r>
-              <a:rPr lang="he-IL" dirty="0" err="1"/>
-              <a:t>כלטמר</a:t>
-            </a:r>
-            <a:r>
-              <a:rPr lang="he-IL" dirty="0"/>
-              <a:t> בין ה-31/1/2020 ל-30/07/2020.</a:t>
-            </a:r>
-          </a:p>
-          <a:p>
-            <a:pPr marL="800100" lvl="1" indent="-342900" algn="r" rtl="1">
-              <a:buAutoNum type="arabicPeriod"/>
-            </a:pPr>
-            <a:r>
-              <a:rPr lang="he-IL" dirty="0"/>
-              <a:t>נולדו לאחר הקורונה, כלומר אחרי ה-30/07/2020</a:t>
-            </a:r>
-          </a:p>
-        </p:txBody>
-      </p:sp>
-      <p:pic>
-        <p:nvPicPr>
-          <p:cNvPr id="6" name="Picture 5">
-            <a:extLst>
-              <a:ext uri="{FF2B5EF4-FFF2-40B4-BE49-F238E27FC236}">
-                <a16:creationId xmlns:a16="http://schemas.microsoft.com/office/drawing/2014/main" id="{74971DF8-AA13-9D5B-C261-3568F155F4AD}"/>
-              </a:ext>
-            </a:extLst>
-          </p:cNvPr>
-          <p:cNvPicPr>
-            <a:picLocks noChangeAspect="1"/>
-          </p:cNvPicPr>
-          <p:nvPr/>
-        </p:nvPicPr>
-        <p:blipFill>
-          <a:blip r:embed="rId2"/>
-          <a:stretch>
-            <a:fillRect/>
-          </a:stretch>
-        </p:blipFill>
-        <p:spPr>
-          <a:xfrm>
-            <a:off x="3057525" y="3062236"/>
-            <a:ext cx="3710081" cy="2026072"/>
-          </a:xfrm>
-          <a:prstGeom prst="rect">
-            <a:avLst/>
-          </a:prstGeom>
-        </p:spPr>
-      </p:pic>
+          <p:cNvPr id="2" name="Title 1">
+            <a:extLst>
+              <a:ext uri="{FF2B5EF4-FFF2-40B4-BE49-F238E27FC236}">
+                <a16:creationId xmlns:a16="http://schemas.microsoft.com/office/drawing/2014/main" id="{FDFC0BE9-23B3-7090-EED3-85A36D411230}"/>
+              </a:ext>
+            </a:extLst>
+          </p:cNvPr>
+          <p:cNvSpPr>
+            <a:spLocks noGrp="1"/>
+          </p:cNvSpPr>
+          <p:nvPr>
+            <p:ph type="title"/>
+          </p:nvPr>
+        </p:nvSpPr>
+        <p:spPr/>
+        <p:txBody>
+          <a:bodyPr/>
+          <a:lstStyle/>
+          <a:p>
+            <a:r>
+              <a:rPr lang="he-IL" b="0" i="0" dirty="0">
+                <a:solidFill>
+                  <a:srgbClr val="222222"/>
+                </a:solidFill>
+                <a:effectLst/>
+                <a:latin typeface="Arial" panose="020B0604020202020204" pitchFamily="34" charset="0"/>
+              </a:rPr>
+              <a:t>שאלת המחקר.</a:t>
+            </a:r>
+            <a:endParaRPr lang="he-IL" dirty="0"/>
+          </a:p>
+        </p:txBody>
+      </p:sp>
     </p:spTree>
     <p:extLst>
       <p:ext uri="{BB962C8B-B14F-4D97-AF65-F5344CB8AC3E}">
-        <p14:creationId xmlns:p14="http://schemas.microsoft.com/office/powerpoint/2010/main" val="4210292191"/>
+        <p14:creationId xmlns:p14="http://schemas.microsoft.com/office/powerpoint/2010/main" val="3349558724"/>
       </p:ext>
     </p:extLst>
   </p:cSld>
@@ -3623,140 +3836,43 @@
       </p:grpSpPr>
       <p:sp>
         <p:nvSpPr>
-          <p:cNvPr id="4" name="TextBox 3">
-            <a:extLst>
-              <a:ext uri="{FF2B5EF4-FFF2-40B4-BE49-F238E27FC236}">
-                <a16:creationId xmlns:a16="http://schemas.microsoft.com/office/drawing/2014/main" id="{F0FB6697-11F3-8A8F-70DC-FF4A7D3FF9DB}"/>
-              </a:ext>
-            </a:extLst>
-          </p:cNvPr>
-          <p:cNvSpPr txBox="1"/>
-          <p:nvPr/>
-        </p:nvSpPr>
-        <p:spPr>
-          <a:xfrm>
-            <a:off x="2562225" y="666750"/>
-            <a:ext cx="7705725" cy="646331"/>
-          </a:xfrm>
-          <a:prstGeom prst="rect">
-            <a:avLst/>
-          </a:prstGeom>
-          <a:noFill/>
-        </p:spPr>
-        <p:txBody>
-          <a:bodyPr wrap="square" rtlCol="1">
-            <a:spAutoFit/>
-          </a:bodyPr>
-          <a:lstStyle/>
-          <a:p>
-            <a:pPr algn="r" rtl="1"/>
-            <a:r>
-              <a:rPr lang="he-IL" dirty="0"/>
-              <a:t>המשתנה המוסבר האם היה לתינוק מחלה אוטופית בשנה הראשונה אל מול החלוקה של הקורונה</a:t>
-            </a:r>
-          </a:p>
-        </p:txBody>
-      </p:sp>
-      <p:sp>
-        <p:nvSpPr>
-          <p:cNvPr id="2" name="TextBox 1">
-            <a:extLst>
-              <a:ext uri="{FF2B5EF4-FFF2-40B4-BE49-F238E27FC236}">
-                <a16:creationId xmlns:a16="http://schemas.microsoft.com/office/drawing/2014/main" id="{1AE961C1-A2FD-88DF-C30B-73E05E9EB787}"/>
-              </a:ext>
-            </a:extLst>
-          </p:cNvPr>
-          <p:cNvSpPr txBox="1"/>
-          <p:nvPr/>
-        </p:nvSpPr>
-        <p:spPr>
-          <a:xfrm>
-            <a:off x="2809875" y="3105834"/>
-            <a:ext cx="7705725" cy="646331"/>
-          </a:xfrm>
-          <a:prstGeom prst="rect">
-            <a:avLst/>
-          </a:prstGeom>
-          <a:noFill/>
-        </p:spPr>
-        <p:txBody>
-          <a:bodyPr wrap="square" rtlCol="1">
-            <a:spAutoFit/>
-          </a:bodyPr>
-          <a:lstStyle/>
-          <a:p>
-            <a:pPr algn="r" rtl="1"/>
-            <a:r>
-              <a:rPr lang="he-IL" dirty="0"/>
-              <a:t>המשתנה המוסבר האם היה לתינוק מחלה אוטופית בשנה השנייה אל מול החלוקה של הקורונה</a:t>
-            </a:r>
-          </a:p>
-        </p:txBody>
-      </p:sp>
-      <p:pic>
-        <p:nvPicPr>
-          <p:cNvPr id="5" name="Picture 4">
-            <a:extLst>
-              <a:ext uri="{FF2B5EF4-FFF2-40B4-BE49-F238E27FC236}">
-                <a16:creationId xmlns:a16="http://schemas.microsoft.com/office/drawing/2014/main" id="{1B1ACCA1-B8CA-29FE-E2FB-E92DAE27C951}"/>
-              </a:ext>
-            </a:extLst>
-          </p:cNvPr>
-          <p:cNvPicPr>
-            <a:picLocks noChangeAspect="1"/>
-          </p:cNvPicPr>
-          <p:nvPr/>
-        </p:nvPicPr>
-        <p:blipFill>
-          <a:blip r:embed="rId2"/>
-          <a:stretch>
-            <a:fillRect/>
-          </a:stretch>
-        </p:blipFill>
-        <p:spPr>
-          <a:xfrm>
-            <a:off x="3119105" y="1217831"/>
-            <a:ext cx="4358020" cy="1725777"/>
-          </a:xfrm>
-          <a:prstGeom prst="rect">
-            <a:avLst/>
-          </a:prstGeom>
-        </p:spPr>
-      </p:pic>
-      <p:pic>
-        <p:nvPicPr>
-          <p:cNvPr id="7" name="Picture 6">
-            <a:extLst>
-              <a:ext uri="{FF2B5EF4-FFF2-40B4-BE49-F238E27FC236}">
-                <a16:creationId xmlns:a16="http://schemas.microsoft.com/office/drawing/2014/main" id="{BEDC0708-C02D-0E4E-BEB0-AA118EC8F7F7}"/>
-              </a:ext>
-            </a:extLst>
-          </p:cNvPr>
-          <p:cNvPicPr>
-            <a:picLocks noChangeAspect="1"/>
-          </p:cNvPicPr>
-          <p:nvPr/>
-        </p:nvPicPr>
-        <p:blipFill>
-          <a:blip r:embed="rId3"/>
-          <a:stretch>
-            <a:fillRect/>
-          </a:stretch>
-        </p:blipFill>
-        <p:spPr>
-          <a:xfrm>
-            <a:off x="2809874" y="4029076"/>
-            <a:ext cx="4456319" cy="1762194"/>
-          </a:xfrm>
-          <a:prstGeom prst="rect">
-            <a:avLst/>
-          </a:prstGeom>
-        </p:spPr>
-      </p:pic>
+          <p:cNvPr id="2" name="Title 1">
+            <a:extLst>
+              <a:ext uri="{FF2B5EF4-FFF2-40B4-BE49-F238E27FC236}">
+                <a16:creationId xmlns:a16="http://schemas.microsoft.com/office/drawing/2014/main" id="{30823563-B66B-0A97-5245-1FA16FCA3FD8}"/>
+              </a:ext>
+            </a:extLst>
+          </p:cNvPr>
+          <p:cNvSpPr>
+            <a:spLocks noGrp="1"/>
+          </p:cNvSpPr>
+          <p:nvPr>
+            <p:ph type="title"/>
+          </p:nvPr>
+        </p:nvSpPr>
+        <p:spPr/>
+        <p:txBody>
+          <a:bodyPr/>
+          <a:lstStyle/>
+          <a:p>
+            <a:r>
+              <a:rPr lang="he-IL" b="0" i="0" dirty="0">
+                <a:solidFill>
+                  <a:srgbClr val="222222"/>
+                </a:solidFill>
+                <a:effectLst/>
+                <a:latin typeface="Arial" panose="020B0604020202020204" pitchFamily="34" charset="0"/>
+              </a:rPr>
+              <a:t>ודרך איסוף וקבלת הנתונים</a:t>
+            </a:r>
+            <a:endParaRPr lang="he-IL" dirty="0"/>
+          </a:p>
+        </p:txBody>
+      </p:sp>
     </p:spTree>
     <p:extLst>
       <p:ext uri="{BB962C8B-B14F-4D97-AF65-F5344CB8AC3E}">
-        <p14:creationId xmlns:p14="http://schemas.microsoft.com/office/powerpoint/2010/main" val="3069482465"/>
+        <p14:creationId xmlns:p14="http://schemas.microsoft.com/office/powerpoint/2010/main" val="3593021560"/>
       </p:ext>
     </p:extLst>
   </p:cSld>
@@ -3785,10 +3901,123 @@
       </p:grpSpPr>
       <p:sp>
         <p:nvSpPr>
+          <p:cNvPr id="2" name="Title 1">
+            <a:extLst>
+              <a:ext uri="{FF2B5EF4-FFF2-40B4-BE49-F238E27FC236}">
+                <a16:creationId xmlns:a16="http://schemas.microsoft.com/office/drawing/2014/main" id="{8085DA5B-AA20-56B1-68C7-DBA00C2C4166}"/>
+              </a:ext>
+            </a:extLst>
+          </p:cNvPr>
+          <p:cNvSpPr>
+            <a:spLocks noGrp="1"/>
+          </p:cNvSpPr>
+          <p:nvPr>
+            <p:ph type="title"/>
+          </p:nvPr>
+        </p:nvSpPr>
+        <p:spPr>
+          <a:xfrm>
+            <a:off x="638175" y="1765300"/>
+            <a:ext cx="10515600" cy="1325563"/>
+          </a:xfrm>
+        </p:spPr>
+        <p:txBody>
+          <a:bodyPr>
+            <a:normAutofit fontScale="90000"/>
+          </a:bodyPr>
+          <a:lstStyle/>
+          <a:p>
+            <a:pPr algn="r" rtl="1"/>
+            <a:r>
+              <a:rPr lang="he-IL" dirty="0"/>
+              <a:t>הנתונים עצמם </a:t>
+            </a:r>
+            <a:r>
+              <a:rPr lang="he-IL" b="0" i="0" dirty="0">
+                <a:solidFill>
+                  <a:srgbClr val="222222"/>
+                </a:solidFill>
+                <a:effectLst/>
+                <a:latin typeface="Arial" panose="020B0604020202020204" pitchFamily="34" charset="0"/>
+              </a:rPr>
+              <a:t>ואת הבעיות שנתקלתם בהן (חוסרים, ערכים מיוחדים </a:t>
+            </a:r>
+            <a:r>
+              <a:rPr lang="he-IL" b="0" i="0" dirty="0" err="1">
+                <a:solidFill>
+                  <a:srgbClr val="222222"/>
+                </a:solidFill>
+                <a:effectLst/>
+                <a:latin typeface="Arial" panose="020B0604020202020204" pitchFamily="34" charset="0"/>
+              </a:rPr>
+              <a:t>וכו</a:t>
+            </a:r>
+            <a:r>
+              <a:rPr lang="he-IL" b="0" i="0" dirty="0">
+                <a:solidFill>
+                  <a:srgbClr val="222222"/>
+                </a:solidFill>
+                <a:effectLst/>
+                <a:latin typeface="Arial" panose="020B0604020202020204" pitchFamily="34" charset="0"/>
+              </a:rPr>
+              <a:t>).</a:t>
+            </a:r>
+            <a:br>
+              <a:rPr lang="he-IL" b="0" i="0" dirty="0">
+                <a:solidFill>
+                  <a:srgbClr val="222222"/>
+                </a:solidFill>
+                <a:effectLst/>
+                <a:latin typeface="Arial" panose="020B0604020202020204" pitchFamily="34" charset="0"/>
+              </a:rPr>
+            </a:br>
+            <a:r>
+              <a:rPr lang="he-IL" b="0" i="0" dirty="0">
+                <a:solidFill>
+                  <a:srgbClr val="222222"/>
+                </a:solidFill>
+                <a:effectLst/>
+                <a:latin typeface="Arial" panose="020B0604020202020204" pitchFamily="34" charset="0"/>
+              </a:rPr>
+              <a:t>ציינו קשיים שעלו עם הנתונים או עם המתייעצים ולקחים מהם אם יש.</a:t>
+            </a:r>
+            <a:br>
+              <a:rPr lang="he-IL" b="0" i="0" dirty="0">
+                <a:solidFill>
+                  <a:srgbClr val="222222"/>
+                </a:solidFill>
+                <a:effectLst/>
+                <a:latin typeface="Arial" panose="020B0604020202020204" pitchFamily="34" charset="0"/>
+              </a:rPr>
+            </a:br>
+            <a:br>
+              <a:rPr lang="he-IL" b="0" i="0" dirty="0">
+                <a:solidFill>
+                  <a:srgbClr val="222222"/>
+                </a:solidFill>
+                <a:effectLst/>
+                <a:latin typeface="Arial" panose="020B0604020202020204" pitchFamily="34" charset="0"/>
+              </a:rPr>
+            </a:br>
+            <a:br>
+              <a:rPr lang="he-IL" b="0" i="0" dirty="0">
+                <a:solidFill>
+                  <a:srgbClr val="222222"/>
+                </a:solidFill>
+                <a:effectLst/>
+                <a:latin typeface="Arial" panose="020B0604020202020204" pitchFamily="34" charset="0"/>
+              </a:rPr>
+            </a:br>
+            <a:endParaRPr lang="he-IL" dirty="0"/>
+          </a:p>
+        </p:txBody>
+      </p:sp>
+      <p:sp>
+        <p:nvSpPr>
           <p:cNvPr id="4" name="TextBox 3">
             <a:extLst>
               <a:ext uri="{FF2B5EF4-FFF2-40B4-BE49-F238E27FC236}">
-                <a16:creationId xmlns:a16="http://schemas.microsoft.com/office/drawing/2014/main" id="{F0FB6697-11F3-8A8F-70DC-FF4A7D3FF9DB}"/>
+                <a16:creationId xmlns:a16="http://schemas.microsoft.com/office/drawing/2014/main" id="{44163DF0-FDBF-8093-B26D-A8EBB0BCF958}"/>
               </a:ext>
             </a:extLst>
           </p:cNvPr>
@@ -3797,8 +4026,8 @@
         </p:nvSpPr>
         <p:spPr>
           <a:xfrm>
-            <a:off x="2562225" y="666750"/>
-            <a:ext cx="7705725" cy="369332"/>
+            <a:off x="3438525" y="2971800"/>
+            <a:ext cx="6810375" cy="369332"/>
           </a:xfrm>
           <a:prstGeom prst="rect">
             <a:avLst/>
@@ -3811,36 +4040,140 @@
           </a:bodyPr>
           <a:lstStyle/>
           <a:p>
-            <a:pPr algn="r" rtl="1"/>
             <a:r>
               <a:rPr lang="he-IL" dirty="0"/>
-              <a:t>בנוגע ל</a:t>
+              <a:t>משתנים שהיו </a:t>
             </a:r>
             <a:r>
               <a:rPr lang="en-US" dirty="0"/>
-              <a:t>NA</a:t>
+              <a:t> NA </a:t>
             </a:r>
             <a:r>
               <a:rPr lang="he-IL" dirty="0"/>
-              <a:t> הפכנו את המשתנים שבהם היו הרבה </a:t>
-            </a:r>
-            <a:r>
-              <a:rPr lang="en-US" dirty="0"/>
-              <a:t>NA</a:t>
-            </a:r>
+              <a:t> והם בעצם אפסים?</a:t>
+            </a:r>
+          </a:p>
+        </p:txBody>
+      </p:sp>
+    </p:spTree>
+    <p:extLst>
+      <p:ext uri="{BB962C8B-B14F-4D97-AF65-F5344CB8AC3E}">
+        <p14:creationId xmlns:p14="http://schemas.microsoft.com/office/powerpoint/2010/main" val="413098862"/>
+      </p:ext>
+    </p:extLst>
+  </p:cSld>
+  <p:clrMapOvr>
+    <a:masterClrMapping/>
+  </p:clrMapOvr>
+</p:sld>
+</file>
+
+<file path=ppt/slides/slide6.xml><?xml version="1.0" encoding="utf-8"?>
+<p:sld xmlns:a="http://schemas.openxmlformats.org/drawingml/2006/main" xmlns:r="http://schemas.openxmlformats.org/officeDocument/2006/relationships" xmlns:p="http://schemas.openxmlformats.org/presentationml/2006/main">
+  <p:cSld>
+    <p:spTree>
+      <p:nvGrpSpPr>
+        <p:cNvPr id="1" name=""/>
+        <p:cNvGrpSpPr/>
+        <p:nvPr/>
+      </p:nvGrpSpPr>
+      <p:grpSpPr>
+        <a:xfrm>
+          <a:off x="0" y="0"/>
+          <a:ext cx="0" cy="0"/>
+          <a:chOff x="0" y="0"/>
+          <a:chExt cx="0" cy="0"/>
+        </a:xfrm>
+      </p:grpSpPr>
+      <p:sp>
+        <p:nvSpPr>
+          <p:cNvPr id="2" name="Title 1">
+            <a:extLst>
+              <a:ext uri="{FF2B5EF4-FFF2-40B4-BE49-F238E27FC236}">
+                <a16:creationId xmlns:a16="http://schemas.microsoft.com/office/drawing/2014/main" id="{3071FF9A-E6AB-0D85-D4F3-1236A1F7697F}"/>
+              </a:ext>
+            </a:extLst>
+          </p:cNvPr>
+          <p:cNvSpPr>
+            <a:spLocks noGrp="1"/>
+          </p:cNvSpPr>
+          <p:nvPr>
+            <p:ph type="title"/>
+          </p:nvPr>
+        </p:nvSpPr>
+        <p:spPr/>
+        <p:txBody>
+          <a:bodyPr/>
+          <a:lstStyle/>
+          <a:p>
             <a:r>
               <a:rPr lang="he-IL" dirty="0"/>
-              <a:t> ל-0 לפי המייל של עידית</a:t>
-            </a:r>
-          </a:p>
-        </p:txBody>
-      </p:sp>
-      <p:sp>
-        <p:nvSpPr>
-          <p:cNvPr id="2" name="TextBox 1">
-            <a:extLst>
-              <a:ext uri="{FF2B5EF4-FFF2-40B4-BE49-F238E27FC236}">
-                <a16:creationId xmlns:a16="http://schemas.microsoft.com/office/drawing/2014/main" id="{1AE961C1-A2FD-88DF-C30B-73E05E9EB787}"/>
+              <a:t>המשך עבודה</a:t>
+            </a:r>
+          </a:p>
+        </p:txBody>
+      </p:sp>
+      <p:sp>
+        <p:nvSpPr>
+          <p:cNvPr id="3" name="Content Placeholder 2">
+            <a:extLst>
+              <a:ext uri="{FF2B5EF4-FFF2-40B4-BE49-F238E27FC236}">
+                <a16:creationId xmlns:a16="http://schemas.microsoft.com/office/drawing/2014/main" id="{F95F6ACF-8F57-77DF-9DA5-ABB2653F810E}"/>
+              </a:ext>
+            </a:extLst>
+          </p:cNvPr>
+          <p:cNvSpPr>
+            <a:spLocks noGrp="1"/>
+          </p:cNvSpPr>
+          <p:nvPr>
+            <p:ph idx="1"/>
+          </p:nvPr>
+        </p:nvSpPr>
+        <p:spPr/>
+        <p:txBody>
+          <a:bodyPr/>
+          <a:lstStyle/>
+          <a:p>
+            <a:endParaRPr lang="he-IL"/>
+          </a:p>
+        </p:txBody>
+      </p:sp>
+    </p:spTree>
+    <p:extLst>
+      <p:ext uri="{BB962C8B-B14F-4D97-AF65-F5344CB8AC3E}">
+        <p14:creationId xmlns:p14="http://schemas.microsoft.com/office/powerpoint/2010/main" val="3585580162"/>
+      </p:ext>
+    </p:extLst>
+  </p:cSld>
+  <p:clrMapOvr>
+    <a:masterClrMapping/>
+  </p:clrMapOvr>
+</p:sld>
+</file>
+
+<file path=ppt/slides/slide7.xml><?xml version="1.0" encoding="utf-8"?>
+<p:sld xmlns:a="http://schemas.openxmlformats.org/drawingml/2006/main" xmlns:r="http://schemas.openxmlformats.org/officeDocument/2006/relationships" xmlns:p="http://schemas.openxmlformats.org/presentationml/2006/main">
+  <p:cSld>
+    <p:spTree>
+      <p:nvGrpSpPr>
+        <p:cNvPr id="1" name=""/>
+        <p:cNvGrpSpPr/>
+        <p:nvPr/>
+      </p:nvGrpSpPr>
+      <p:grpSpPr>
+        <a:xfrm>
+          <a:off x="0" y="0"/>
+          <a:ext cx="0" cy="0"/>
+          <a:chOff x="0" y="0"/>
+          <a:chExt cx="0" cy="0"/>
+        </a:xfrm>
+      </p:grpSpPr>
+      <p:sp>
+        <p:nvSpPr>
+          <p:cNvPr id="4" name="TextBox 3">
+            <a:extLst>
+              <a:ext uri="{FF2B5EF4-FFF2-40B4-BE49-F238E27FC236}">
+                <a16:creationId xmlns:a16="http://schemas.microsoft.com/office/drawing/2014/main" id="{F0FB6697-11F3-8A8F-70DC-FF4A7D3FF9DB}"/>
               </a:ext>
             </a:extLst>
           </p:cNvPr>
@@ -3849,8 +4182,8 @@
         </p:nvSpPr>
         <p:spPr>
           <a:xfrm>
-            <a:off x="2809875" y="3105834"/>
-            <a:ext cx="7705725" cy="369332"/>
+            <a:off x="2409825" y="666750"/>
+            <a:ext cx="7705725" cy="646331"/>
           </a:xfrm>
           <a:prstGeom prst="rect">
             <a:avLst/>
@@ -3866,21 +4199,142 @@
             <a:pPr algn="r" rtl="1"/>
             <a:r>
               <a:rPr lang="he-IL" dirty="0"/>
-              <a:t>אלו הם ה</a:t>
-            </a:r>
-            <a:r>
-              <a:rPr lang="en-US" dirty="0"/>
-              <a:t>NA-</a:t>
-            </a:r>
+              <a:t>בינתיים סיננו את התצפיות שהשלימו את המענה על הסקר,</a:t>
+            </a:r>
+          </a:p>
+          <a:p>
+            <a:pPr algn="r" rtl="1"/>
             <a:r>
               <a:rPr lang="he-IL" dirty="0"/>
-              <a:t> שעדיין יש </a:t>
-            </a:r>
-            <a:r>
-              <a:rPr lang="he-IL"/>
-              <a:t>בקובץ: להוסיף טבלה רלוונטית</a:t>
-            </a:r>
-            <a:endParaRPr lang="he-IL" dirty="0"/>
+              <a:t>בידינו 1382 תצפיות של ילדים </a:t>
+            </a:r>
+            <a:r>
+              <a:rPr lang="he-IL" dirty="0" err="1"/>
+              <a:t>שלולדו</a:t>
+            </a:r>
+            <a:r>
+              <a:rPr lang="he-IL" dirty="0"/>
+              <a:t> בין 2018 ל-2020</a:t>
+            </a:r>
+          </a:p>
+        </p:txBody>
+      </p:sp>
+    </p:spTree>
+    <p:extLst>
+      <p:ext uri="{BB962C8B-B14F-4D97-AF65-F5344CB8AC3E}">
+        <p14:creationId xmlns:p14="http://schemas.microsoft.com/office/powerpoint/2010/main" val="2642701519"/>
+      </p:ext>
+    </p:extLst>
+  </p:cSld>
+  <p:clrMapOvr>
+    <a:masterClrMapping/>
+  </p:clrMapOvr>
+</p:sld>
+</file>
+
+<file path=ppt/slides/slide8.xml><?xml version="1.0" encoding="utf-8"?>
+<p:sld xmlns:a="http://schemas.openxmlformats.org/drawingml/2006/main" xmlns:r="http://schemas.openxmlformats.org/officeDocument/2006/relationships" xmlns:p="http://schemas.openxmlformats.org/presentationml/2006/main">
+  <p:cSld>
+    <p:spTree>
+      <p:nvGrpSpPr>
+        <p:cNvPr id="1" name=""/>
+        <p:cNvGrpSpPr/>
+        <p:nvPr/>
+      </p:nvGrpSpPr>
+      <p:grpSpPr>
+        <a:xfrm>
+          <a:off x="0" y="0"/>
+          <a:ext cx="0" cy="0"/>
+          <a:chOff x="0" y="0"/>
+          <a:chExt cx="0" cy="0"/>
+        </a:xfrm>
+      </p:grpSpPr>
+      <p:sp>
+        <p:nvSpPr>
+          <p:cNvPr id="4" name="TextBox 3">
+            <a:extLst>
+              <a:ext uri="{FF2B5EF4-FFF2-40B4-BE49-F238E27FC236}">
+                <a16:creationId xmlns:a16="http://schemas.microsoft.com/office/drawing/2014/main" id="{53D96A0A-22F5-DBFD-25A8-1406F80C4EE9}"/>
+              </a:ext>
+            </a:extLst>
+          </p:cNvPr>
+          <p:cNvSpPr txBox="1"/>
+          <p:nvPr/>
+        </p:nvSpPr>
+        <p:spPr>
+          <a:xfrm>
+            <a:off x="3238501" y="809625"/>
+            <a:ext cx="8058150" cy="1323439"/>
+          </a:xfrm>
+          <a:prstGeom prst="rect">
+            <a:avLst/>
+          </a:prstGeom>
+          <a:noFill/>
+        </p:spPr>
+        <p:txBody>
+          <a:bodyPr wrap="square" rtlCol="1">
+            <a:spAutoFit/>
+          </a:bodyPr>
+          <a:lstStyle/>
+          <a:p>
+            <a:pPr lvl="1" algn="r" rtl="1"/>
+            <a:r>
+              <a:rPr lang="he-IL" sz="2000" b="1" dirty="0">
+                <a:latin typeface="David" panose="020E0502060401010101" pitchFamily="34" charset="-79"/>
+                <a:cs typeface="David" panose="020E0502060401010101" pitchFamily="34" charset="-79"/>
+              </a:rPr>
+              <a:t>חילקנו את תאריכי הלידה ל-3 קבוצות לפי תזמון הקורונה:</a:t>
+            </a:r>
+          </a:p>
+          <a:p>
+            <a:pPr marL="800100" lvl="1" indent="-342900" algn="r" rtl="1">
+              <a:buAutoNum type="arabicPeriod"/>
+            </a:pPr>
+            <a:r>
+              <a:rPr lang="he-IL" sz="2000" b="1" dirty="0">
+                <a:latin typeface="David" panose="020E0502060401010101" pitchFamily="34" charset="-79"/>
+                <a:cs typeface="David" panose="020E0502060401010101" pitchFamily="34" charset="-79"/>
+              </a:rPr>
+              <a:t>נולדו לפני הקורונה, כלומר לפני ה-30/01/2020.</a:t>
+            </a:r>
+          </a:p>
+          <a:p>
+            <a:pPr marL="800100" lvl="1" indent="-342900" algn="r" rtl="1">
+              <a:buAutoNum type="arabicPeriod"/>
+            </a:pPr>
+            <a:r>
+              <a:rPr lang="he-IL" sz="2000" b="1" dirty="0">
+                <a:latin typeface="David" panose="020E0502060401010101" pitchFamily="34" charset="-79"/>
+                <a:cs typeface="David" panose="020E0502060401010101" pitchFamily="34" charset="-79"/>
+              </a:rPr>
+              <a:t>נולדו בקורונה, </a:t>
+            </a:r>
+            <a:r>
+              <a:rPr lang="he-IL" sz="2000" b="1" dirty="0" err="1">
+                <a:latin typeface="David" panose="020E0502060401010101" pitchFamily="34" charset="-79"/>
+                <a:cs typeface="David" panose="020E0502060401010101" pitchFamily="34" charset="-79"/>
+              </a:rPr>
+              <a:t>כלטמר</a:t>
+            </a:r>
+            <a:r>
+              <a:rPr lang="he-IL" sz="2000" b="1" dirty="0">
+                <a:latin typeface="David" panose="020E0502060401010101" pitchFamily="34" charset="-79"/>
+                <a:cs typeface="David" panose="020E0502060401010101" pitchFamily="34" charset="-79"/>
+              </a:rPr>
+              <a:t> בין ה-31/1/2020 ל-30/07/2020.</a:t>
+            </a:r>
+          </a:p>
+          <a:p>
+            <a:pPr marL="800100" lvl="1" indent="-342900" algn="r" rtl="1">
+              <a:buAutoNum type="arabicPeriod"/>
+            </a:pPr>
+            <a:r>
+              <a:rPr lang="he-IL" sz="2000" b="1" dirty="0">
+                <a:latin typeface="David" panose="020E0502060401010101" pitchFamily="34" charset="-79"/>
+                <a:cs typeface="David" panose="020E0502060401010101" pitchFamily="34" charset="-79"/>
+              </a:rPr>
+              <a:t>נולדו לאחר הקורונה, כלומר אחרי ה-30/07/2020</a:t>
+            </a:r>
           </a:p>
         </p:txBody>
       </p:sp>
@@ -3889,7 +4343,7 @@
           <p:cNvPr id="6" name="Picture 5">
             <a:extLst>
               <a:ext uri="{FF2B5EF4-FFF2-40B4-BE49-F238E27FC236}">
-                <a16:creationId xmlns:a16="http://schemas.microsoft.com/office/drawing/2014/main" id="{8FD42840-2952-C59A-732A-CF9D6693816E}"/>
+                <a16:creationId xmlns:a16="http://schemas.microsoft.com/office/drawing/2014/main" id="{74971DF8-AA13-9D5B-C261-3568F155F4AD}"/>
               </a:ext>
             </a:extLst>
           </p:cNvPr>
@@ -3906,18 +4360,267 @@
         </p:blipFill>
         <p:spPr>
           <a:xfrm>
-            <a:off x="902963" y="1277153"/>
-            <a:ext cx="9364987" cy="1369065"/>
+            <a:off x="2457450" y="2805061"/>
+            <a:ext cx="3710081" cy="2026072"/>
           </a:xfrm>
           <a:prstGeom prst="rect">
             <a:avLst/>
           </a:prstGeom>
         </p:spPr>
       </p:pic>
+      <p:sp>
+        <p:nvSpPr>
+          <p:cNvPr id="2" name="Oval 1">
+            <a:extLst>
+              <a:ext uri="{FF2B5EF4-FFF2-40B4-BE49-F238E27FC236}">
+                <a16:creationId xmlns:a16="http://schemas.microsoft.com/office/drawing/2014/main" id="{72D60877-EB7A-A397-EC48-09353D7FB59A}"/>
+              </a:ext>
+            </a:extLst>
+          </p:cNvPr>
+          <p:cNvSpPr/>
+          <p:nvPr/>
+        </p:nvSpPr>
+        <p:spPr>
+          <a:xfrm>
+            <a:off x="4312490" y="3667125"/>
+            <a:ext cx="1240585" cy="1238250"/>
+          </a:xfrm>
+          <a:prstGeom prst="ellipse">
+            <a:avLst/>
+          </a:prstGeom>
+          <a:noFill/>
+          <a:ln w="38100">
+            <a:solidFill>
+              <a:srgbClr val="FF0000"/>
+            </a:solidFill>
+          </a:ln>
+        </p:spPr>
+        <p:style>
+          <a:lnRef idx="2">
+            <a:schemeClr val="accent1">
+              <a:shade val="50000"/>
+            </a:schemeClr>
+          </a:lnRef>
+          <a:fillRef idx="1">
+            <a:schemeClr val="accent1"/>
+          </a:fillRef>
+          <a:effectRef idx="0">
+            <a:schemeClr val="accent1"/>
+          </a:effectRef>
+          <a:fontRef idx="minor">
+            <a:schemeClr val="lt1"/>
+          </a:fontRef>
+        </p:style>
+        <p:txBody>
+          <a:bodyPr rtlCol="1" anchor="ctr"/>
+          <a:lstStyle/>
+          <a:p>
+            <a:pPr algn="ctr"/>
+            <a:endParaRPr lang="he-IL"/>
+          </a:p>
+        </p:txBody>
+      </p:sp>
     </p:spTree>
     <p:extLst>
       <p:ext uri="{BB962C8B-B14F-4D97-AF65-F5344CB8AC3E}">
-        <p14:creationId xmlns:p14="http://schemas.microsoft.com/office/powerpoint/2010/main" val="3763680711"/>
+        <p14:creationId xmlns:p14="http://schemas.microsoft.com/office/powerpoint/2010/main" val="4210292191"/>
+      </p:ext>
+    </p:extLst>
+  </p:cSld>
+  <p:clrMapOvr>
+    <a:masterClrMapping/>
+  </p:clrMapOvr>
+</p:sld>
+</file>
+
+<file path=ppt/slides/slide9.xml><?xml version="1.0" encoding="utf-8"?>
+<p:sld xmlns:a="http://schemas.openxmlformats.org/drawingml/2006/main" xmlns:r="http://schemas.openxmlformats.org/officeDocument/2006/relationships" xmlns:p="http://schemas.openxmlformats.org/presentationml/2006/main">
+  <p:cSld>
+    <p:spTree>
+      <p:nvGrpSpPr>
+        <p:cNvPr id="1" name=""/>
+        <p:cNvGrpSpPr/>
+        <p:nvPr/>
+      </p:nvGrpSpPr>
+      <p:grpSpPr>
+        <a:xfrm>
+          <a:off x="0" y="0"/>
+          <a:ext cx="0" cy="0"/>
+          <a:chOff x="0" y="0"/>
+          <a:chExt cx="0" cy="0"/>
+        </a:xfrm>
+      </p:grpSpPr>
+      <p:sp>
+        <p:nvSpPr>
+          <p:cNvPr id="4" name="TextBox 3">
+            <a:extLst>
+              <a:ext uri="{FF2B5EF4-FFF2-40B4-BE49-F238E27FC236}">
+                <a16:creationId xmlns:a16="http://schemas.microsoft.com/office/drawing/2014/main" id="{F0FB6697-11F3-8A8F-70DC-FF4A7D3FF9DB}"/>
+              </a:ext>
+            </a:extLst>
+          </p:cNvPr>
+          <p:cNvSpPr txBox="1"/>
+          <p:nvPr/>
+        </p:nvSpPr>
+        <p:spPr>
+          <a:xfrm>
+            <a:off x="3413330" y="571500"/>
+            <a:ext cx="7705725" cy="646331"/>
+          </a:xfrm>
+          <a:prstGeom prst="rect">
+            <a:avLst/>
+          </a:prstGeom>
+          <a:noFill/>
+        </p:spPr>
+        <p:txBody>
+          <a:bodyPr wrap="square" rtlCol="1">
+            <a:spAutoFit/>
+          </a:bodyPr>
+          <a:lstStyle/>
+          <a:p>
+            <a:pPr algn="r" rtl="1"/>
+            <a:r>
+              <a:rPr lang="he-IL" dirty="0"/>
+              <a:t>המשתנה המוסבר האם היה לתינוק מחלה אוטופית בשנה הראשונה אל מול החלוקה של הקורונה</a:t>
+            </a:r>
+          </a:p>
+        </p:txBody>
+      </p:sp>
+      <p:sp>
+        <p:nvSpPr>
+          <p:cNvPr id="2" name="TextBox 1">
+            <a:extLst>
+              <a:ext uri="{FF2B5EF4-FFF2-40B4-BE49-F238E27FC236}">
+                <a16:creationId xmlns:a16="http://schemas.microsoft.com/office/drawing/2014/main" id="{1AE961C1-A2FD-88DF-C30B-73E05E9EB787}"/>
+              </a:ext>
+            </a:extLst>
+          </p:cNvPr>
+          <p:cNvSpPr txBox="1"/>
+          <p:nvPr/>
+        </p:nvSpPr>
+        <p:spPr>
+          <a:xfrm>
+            <a:off x="3413330" y="3163176"/>
+            <a:ext cx="7705725" cy="646331"/>
+          </a:xfrm>
+          <a:prstGeom prst="rect">
+            <a:avLst/>
+          </a:prstGeom>
+          <a:noFill/>
+        </p:spPr>
+        <p:txBody>
+          <a:bodyPr wrap="square" rtlCol="1">
+            <a:spAutoFit/>
+          </a:bodyPr>
+          <a:lstStyle/>
+          <a:p>
+            <a:pPr algn="r" rtl="1"/>
+            <a:r>
+              <a:rPr lang="he-IL" dirty="0"/>
+              <a:t>המשתנה המוסבר האם היה לתינוק מחלה אוטופית בשנה השנייה אל מול החלוקה של הקורונה</a:t>
+            </a:r>
+          </a:p>
+        </p:txBody>
+      </p:sp>
+      <p:pic>
+        <p:nvPicPr>
+          <p:cNvPr id="5" name="Picture 4">
+            <a:extLst>
+              <a:ext uri="{FF2B5EF4-FFF2-40B4-BE49-F238E27FC236}">
+                <a16:creationId xmlns:a16="http://schemas.microsoft.com/office/drawing/2014/main" id="{1B1ACCA1-B8CA-29FE-E2FB-E92DAE27C951}"/>
+              </a:ext>
+            </a:extLst>
+          </p:cNvPr>
+          <p:cNvPicPr>
+            <a:picLocks noChangeAspect="1"/>
+          </p:cNvPicPr>
+          <p:nvPr/>
+        </p:nvPicPr>
+        <p:blipFill>
+          <a:blip r:embed="rId2"/>
+          <a:stretch>
+            <a:fillRect/>
+          </a:stretch>
+        </p:blipFill>
+        <p:spPr>
+          <a:xfrm>
+            <a:off x="5176505" y="1216461"/>
+            <a:ext cx="4358020" cy="1725777"/>
+          </a:xfrm>
+          <a:prstGeom prst="rect">
+            <a:avLst/>
+          </a:prstGeom>
+        </p:spPr>
+      </p:pic>
+      <p:pic>
+        <p:nvPicPr>
+          <p:cNvPr id="7" name="Picture 6">
+            <a:extLst>
+              <a:ext uri="{FF2B5EF4-FFF2-40B4-BE49-F238E27FC236}">
+                <a16:creationId xmlns:a16="http://schemas.microsoft.com/office/drawing/2014/main" id="{BEDC0708-C02D-0E4E-BEB0-AA118EC8F7F7}"/>
+              </a:ext>
+            </a:extLst>
+          </p:cNvPr>
+          <p:cNvPicPr>
+            <a:picLocks noChangeAspect="1"/>
+          </p:cNvPicPr>
+          <p:nvPr/>
+        </p:nvPicPr>
+        <p:blipFill>
+          <a:blip r:embed="rId3"/>
+          <a:stretch>
+            <a:fillRect/>
+          </a:stretch>
+        </p:blipFill>
+        <p:spPr>
+          <a:xfrm>
+            <a:off x="5176505" y="4069915"/>
+            <a:ext cx="4456319" cy="1762194"/>
+          </a:xfrm>
+          <a:prstGeom prst="rect">
+            <a:avLst/>
+          </a:prstGeom>
+        </p:spPr>
+      </p:pic>
+      <p:sp>
+        <p:nvSpPr>
+          <p:cNvPr id="3" name="TextBox 2">
+            <a:extLst>
+              <a:ext uri="{FF2B5EF4-FFF2-40B4-BE49-F238E27FC236}">
+                <a16:creationId xmlns:a16="http://schemas.microsoft.com/office/drawing/2014/main" id="{5090F4ED-9F63-53D8-AC37-938E8511852A}"/>
+              </a:ext>
+            </a:extLst>
+          </p:cNvPr>
+          <p:cNvSpPr txBox="1"/>
+          <p:nvPr/>
+        </p:nvSpPr>
+        <p:spPr>
+          <a:xfrm>
+            <a:off x="317705" y="2718102"/>
+            <a:ext cx="3095625" cy="369332"/>
+          </a:xfrm>
+          <a:prstGeom prst="rect">
+            <a:avLst/>
+          </a:prstGeom>
+          <a:noFill/>
+        </p:spPr>
+        <p:txBody>
+          <a:bodyPr wrap="square" rtlCol="1">
+            <a:spAutoFit/>
+          </a:bodyPr>
+          <a:lstStyle/>
+          <a:p>
+            <a:r>
+              <a:rPr lang="he-IL" dirty="0"/>
+              <a:t>נראה שמדובר במשתנים סבירים</a:t>
+            </a:r>
+          </a:p>
+        </p:txBody>
+      </p:sp>
+    </p:spTree>
+    <p:extLst>
+      <p:ext uri="{BB962C8B-B14F-4D97-AF65-F5344CB8AC3E}">
+        <p14:creationId xmlns:p14="http://schemas.microsoft.com/office/powerpoint/2010/main" val="3069482465"/>
       </p:ext>
     </p:extLst>
   </p:cSld>
